--- a/places to go things to do image codes.pptx
+++ b/places to go things to do image codes.pptx
@@ -4286,7 +4286,7 @@
         </p:spPr>
         <p:txBody>
           <a:bodyPr>
-            <a:normAutofit/>
+            <a:normAutofit fontScale="92500" lnSpcReduction="10000"/>
           </a:bodyPr>
           <a:lstStyle/>
           <a:p>
@@ -4304,8 +4304,30 @@
             </a:r>
             <a:r>
               <a:rPr lang="en-GB" dirty="0"/>
-              <a:t> adorable</a:t>
-            </a:r>
+              <a:t> </a:t>
+            </a:r>
+            <a:r>
+              <a:rPr lang="en-GB" dirty="0" smtClean="0"/>
+              <a:t>adorable</a:t>
+            </a:r>
+          </a:p>
+          <a:p>
+            <a:pPr marL="0" indent="0">
+              <a:buNone/>
+            </a:pPr>
+            <a:r>
+              <a:rPr lang="en-GB" dirty="0">
+                <a:hlinkClick r:id="rId2"/>
+              </a:rPr>
+              <a:t>https://www.seaworldparks-bookings.co.uk/?</a:t>
+            </a:r>
+            <a:r>
+              <a:rPr lang="en-GB" dirty="0" smtClean="0">
+                <a:hlinkClick r:id="rId2"/>
+              </a:rPr>
+              <a:t>gclid=EAIaIQobChMI6-vNlpeX3QIV2ud3Ch31sgknEAAYASABEgLABfD_BwE</a:t>
+            </a:r>
+            <a:endParaRPr lang="en-GB" dirty="0"/>
           </a:p>
           <a:p>
             <a:pPr marL="514350" indent="-514350">
@@ -4314,8 +4336,30 @@
             </a:pPr>
             <a:r>
               <a:rPr lang="en-GB" dirty="0"/>
-              <a:t>Learn to juggle because why not</a:t>
-            </a:r>
+              <a:t>Learn to juggle because why </a:t>
+            </a:r>
+            <a:r>
+              <a:rPr lang="en-GB" dirty="0" smtClean="0"/>
+              <a:t>not</a:t>
+            </a:r>
+          </a:p>
+          <a:p>
+            <a:pPr marL="0" indent="0">
+              <a:buNone/>
+            </a:pPr>
+            <a:r>
+              <a:rPr lang="en-GB" dirty="0">
+                <a:hlinkClick r:id="rId3"/>
+              </a:rPr>
+              <a:t>http://www.jugglingworld.biz/juggler-for-hire/private-juggling-lessons</a:t>
+            </a:r>
+            <a:r>
+              <a:rPr lang="en-GB" dirty="0" smtClean="0">
+                <a:hlinkClick r:id="rId3"/>
+              </a:rPr>
+              <a:t>/</a:t>
+            </a:r>
+            <a:endParaRPr lang="en-GB" dirty="0"/>
           </a:p>
           <a:p>
             <a:pPr marL="514350" indent="-514350">
@@ -4324,8 +4368,36 @@
             </a:pPr>
             <a:r>
               <a:rPr lang="en-GB" dirty="0"/>
-              <a:t>Go on safari  awe-inspiring wildlife at an affordable cost</a:t>
-            </a:r>
+              <a:t>Go on safari  awe-inspiring wildlife at an affordable </a:t>
+            </a:r>
+            <a:r>
+              <a:rPr lang="en-GB" dirty="0" smtClean="0"/>
+              <a:t>cost</a:t>
+            </a:r>
+          </a:p>
+          <a:p>
+            <a:pPr marL="0" indent="0">
+              <a:buNone/>
+            </a:pPr>
+            <a:r>
+              <a:rPr lang="en-GB" dirty="0">
+                <a:hlinkClick r:id="rId4"/>
+              </a:rPr>
+              <a:t>https://www.telegraph.co.uk/travel/safaris-and-wildlife/the-best-safari-holidays</a:t>
+            </a:r>
+            <a:r>
+              <a:rPr lang="en-GB" dirty="0" smtClean="0">
+                <a:hlinkClick r:id="rId4"/>
+              </a:rPr>
+              <a:t>/</a:t>
+            </a:r>
+            <a:endParaRPr lang="en-GB" dirty="0" smtClean="0"/>
+          </a:p>
+          <a:p>
+            <a:pPr marL="0" indent="0">
+              <a:buNone/>
+            </a:pPr>
+            <a:endParaRPr lang="en-GB" dirty="0"/>
           </a:p>
           <a:p>
             <a:pPr marL="514350" indent="-514350">
@@ -4344,6 +4416,29 @@
               <a:rPr lang="en-GB" dirty="0"/>
               <a:t> not a romantic u will b by the end of this astronomical amazement </a:t>
             </a:r>
+            <a:endParaRPr lang="en-GB" dirty="0" smtClean="0"/>
+          </a:p>
+          <a:p>
+            <a:pPr marL="0" indent="0">
+              <a:buNone/>
+            </a:pPr>
+            <a:r>
+              <a:rPr lang="en-GB" dirty="0">
+                <a:hlinkClick r:id="rId5"/>
+              </a:rPr>
+              <a:t>http://stargazingexperiences.co.uk</a:t>
+            </a:r>
+            <a:r>
+              <a:rPr lang="en-GB" dirty="0" smtClean="0">
+                <a:hlinkClick r:id="rId5"/>
+              </a:rPr>
+              <a:t>/</a:t>
+            </a:r>
+            <a:r>
+              <a:rPr lang="en-GB" dirty="0" smtClean="0"/>
+              <a:t> </a:t>
+            </a:r>
+            <a:endParaRPr lang="en-GB" dirty="0"/>
           </a:p>
           <a:p>
             <a:pPr marL="514350" indent="-514350">
@@ -4352,8 +4447,34 @@
             </a:pPr>
             <a:r>
               <a:rPr lang="en-GB" dirty="0"/>
-              <a:t>Build a treehouse release your inner child to be creative</a:t>
-            </a:r>
+              <a:t>Build a treehouse release your inner child to be </a:t>
+            </a:r>
+            <a:r>
+              <a:rPr lang="en-GB" dirty="0" smtClean="0"/>
+              <a:t>creative</a:t>
+            </a:r>
+          </a:p>
+          <a:p>
+            <a:pPr marL="0" indent="0">
+              <a:buNone/>
+            </a:pPr>
+            <a:r>
+              <a:rPr lang="en-GB" dirty="0">
+                <a:hlinkClick r:id="rId6"/>
+              </a:rPr>
+              <a:t>https://</a:t>
+            </a:r>
+            <a:r>
+              <a:rPr lang="en-GB" dirty="0" smtClean="0">
+                <a:hlinkClick r:id="rId6"/>
+              </a:rPr>
+              <a:t>www.youtube.com/watch?v=TsgOtAlE8H8</a:t>
+            </a:r>
+            <a:r>
+              <a:rPr lang="en-GB" dirty="0" smtClean="0"/>
+              <a:t> </a:t>
+            </a:r>
+            <a:endParaRPr lang="en-GB" dirty="0"/>
           </a:p>
           <a:p>
             <a:pPr marL="514350" indent="-514350">
@@ -4374,8 +4495,23 @@
             </a:r>
             <a:r>
               <a:rPr lang="en-GB" dirty="0"/>
-              <a:t> the best</a:t>
-            </a:r>
+              <a:t> </a:t>
+            </a:r>
+            <a:r>
+              <a:rPr lang="en-GB"/>
+              <a:t>the </a:t>
+            </a:r>
+            <a:r>
+              <a:rPr lang="en-GB" smtClean="0"/>
+              <a:t>best</a:t>
+            </a:r>
+          </a:p>
+          <a:p>
+            <a:pPr marL="514350" indent="-514350">
+              <a:buFont typeface="+mj-lt"/>
+              <a:buAutoNum type="arabicPeriod"/>
+            </a:pPr>
+            <a:endParaRPr lang="en-GB" dirty="0"/>
           </a:p>
           <a:p>
             <a:pPr marL="514350" indent="-514350">

--- a/places to go things to do image codes.pptx
+++ b/places to go things to do image codes.pptx
@@ -4286,7 +4286,7 @@
         </p:spPr>
         <p:txBody>
           <a:bodyPr>
-            <a:normAutofit fontScale="92500" lnSpcReduction="10000"/>
+            <a:normAutofit fontScale="92500" lnSpcReduction="20000"/>
           </a:bodyPr>
           <a:lstStyle/>
           <a:p>
@@ -4495,23 +4495,56 @@
             </a:r>
             <a:r>
               <a:rPr lang="en-GB" dirty="0"/>
+              <a:t> the </a:t>
+            </a:r>
+            <a:r>
+              <a:rPr lang="en-GB" dirty="0" smtClean="0"/>
+              <a:t>best</a:t>
+            </a:r>
+          </a:p>
+          <a:p>
+            <a:pPr marL="0" indent="0">
+              <a:buNone/>
+            </a:pPr>
+            <a:r>
+              <a:rPr lang="en-GB" dirty="0">
+                <a:hlinkClick r:id="rId7"/>
+              </a:rPr>
+              <a:t>https://deliveroo.co.uk</a:t>
+            </a:r>
+            <a:r>
+              <a:rPr lang="en-GB" dirty="0" smtClean="0">
+                <a:hlinkClick r:id="rId7"/>
+              </a:rPr>
+              <a:t>/</a:t>
+            </a:r>
+            <a:r>
+              <a:rPr lang="en-GB" dirty="0" smtClean="0"/>
               <a:t> </a:t>
             </a:r>
-            <a:r>
-              <a:rPr lang="en-GB"/>
-              <a:t>the </a:t>
-            </a:r>
-            <a:r>
-              <a:rPr lang="en-GB" smtClean="0"/>
-              <a:t>best</a:t>
-            </a:r>
+            <a:endParaRPr lang="en-GB" dirty="0"/>
           </a:p>
           <a:p>
             <a:pPr marL="514350" indent="-514350">
               <a:buFont typeface="+mj-lt"/>
               <a:buAutoNum type="arabicPeriod"/>
             </a:pPr>
-            <a:endParaRPr lang="en-GB" dirty="0"/>
+            <a:r>
+              <a:rPr lang="en-GB" dirty="0"/>
+              <a:t>Go on a road trip-</a:t>
+            </a:r>
+            <a:r>
+              <a:rPr lang="en-GB" dirty="0" err="1"/>
+              <a:t>hsm</a:t>
+            </a:r>
+            <a:r>
+              <a:rPr lang="en-GB" dirty="0"/>
+              <a:t> songs and friends, 2 of the best things in </a:t>
+            </a:r>
+            <a:r>
+              <a:rPr lang="en-GB" dirty="0" smtClean="0"/>
+              <a:t>life</a:t>
+            </a:r>
           </a:p>
           <a:p>
             <a:pPr marL="514350" indent="-514350">
@@ -4519,21 +4552,28 @@
               <a:buAutoNum type="arabicPeriod"/>
             </a:pPr>
             <a:r>
-              <a:rPr lang="en-GB" dirty="0"/>
-              <a:t>Go on a road trip-</a:t>
-            </a:r>
-            <a:r>
-              <a:rPr lang="en-GB" dirty="0" err="1"/>
-              <a:t>hsm</a:t>
-            </a:r>
-            <a:r>
-              <a:rPr lang="en-GB" dirty="0"/>
-              <a:t> songs and friends, 2 of the best things in </a:t>
+              <a:rPr lang="en-GB" dirty="0">
+                <a:hlinkClick r:id="rId8"/>
+              </a:rPr>
+              <a:t>https://</a:t>
+            </a:r>
+            <a:r>
+              <a:rPr lang="en-GB" dirty="0" smtClean="0">
+                <a:hlinkClick r:id="rId8"/>
+              </a:rPr>
+              <a:t>www.youtube.com/watch?v=z04cGzN9TzE</a:t>
             </a:r>
             <a:r>
               <a:rPr lang="en-GB" dirty="0" smtClean="0"/>
-              <a:t>life</a:t>
-            </a:r>
+              <a:t> </a:t>
+            </a:r>
+            <a:endParaRPr lang="en-GB" dirty="0"/>
+          </a:p>
+          <a:p>
+            <a:pPr marL="514350" indent="-514350">
+              <a:buFont typeface="+mj-lt"/>
+              <a:buAutoNum type="arabicPeriod"/>
+            </a:pPr>
             <a:endParaRPr lang="en-GB" dirty="0"/>
           </a:p>
         </p:txBody>

--- a/places to go things to do image codes.pptx
+++ b/places to go things to do image codes.pptx
@@ -4626,7 +4626,7 @@
         </p:spPr>
         <p:txBody>
           <a:bodyPr>
-            <a:normAutofit/>
+            <a:normAutofit fontScale="77500" lnSpcReduction="20000"/>
           </a:bodyPr>
           <a:lstStyle/>
           <a:p>
@@ -4644,8 +4644,34 @@
             </a:r>
             <a:r>
               <a:rPr lang="en-GB" dirty="0"/>
-              <a:t> the best)</a:t>
-            </a:r>
+              <a:t> the best</a:t>
+            </a:r>
+            <a:r>
+              <a:rPr lang="en-GB" dirty="0" smtClean="0"/>
+              <a:t>)</a:t>
+            </a:r>
+          </a:p>
+          <a:p>
+            <a:pPr marL="0" indent="0">
+              <a:buNone/>
+            </a:pPr>
+            <a:r>
+              <a:rPr lang="en-GB" dirty="0">
+                <a:hlinkClick r:id="rId2"/>
+              </a:rPr>
+              <a:t>https://</a:t>
+            </a:r>
+            <a:r>
+              <a:rPr lang="en-GB" dirty="0" smtClean="0">
+                <a:hlinkClick r:id="rId2"/>
+              </a:rPr>
+              <a:t>www.vodafone.com/content/index/what/connected-she-can/encourage-more-girls-to-codelikeagirl.html</a:t>
+            </a:r>
+            <a:r>
+              <a:rPr lang="en-GB" dirty="0" smtClean="0"/>
+              <a:t> </a:t>
+            </a:r>
+            <a:endParaRPr lang="en-GB" dirty="0"/>
           </a:p>
           <a:p>
             <a:pPr marL="514350" indent="-514350">
@@ -4669,9 +4695,31 @@
               <a:t>ching</a:t>
             </a:r>
             <a:r>
-              <a:rPr lang="en-GB" dirty="0"/>
+              <a:rPr lang="en-GB" dirty="0" smtClean="0"/>
               <a:t>$$$</a:t>
             </a:r>
+          </a:p>
+          <a:p>
+            <a:pPr marL="0" indent="0">
+              <a:buNone/>
+            </a:pPr>
+            <a:r>
+              <a:rPr lang="en-GB" dirty="0">
+                <a:hlinkClick r:id="rId3"/>
+              </a:rPr>
+              <a:t>https://</a:t>
+            </a:r>
+            <a:r>
+              <a:rPr lang="en-GB" dirty="0" smtClean="0">
+                <a:hlinkClick r:id="rId3"/>
+              </a:rPr>
+              <a:t>www.youtube.com/watch?v=FSpxlvcw9d4</a:t>
+            </a:r>
+            <a:r>
+              <a:rPr lang="en-GB" dirty="0" smtClean="0"/>
+              <a:t> </a:t>
+            </a:r>
+            <a:endParaRPr lang="en-GB" dirty="0"/>
           </a:p>
           <a:p>
             <a:pPr marL="514350" indent="-514350">
@@ -4688,8 +4736,34 @@
             </a:r>
             <a:r>
               <a:rPr lang="en-GB" dirty="0"/>
-              <a:t> views</a:t>
-            </a:r>
+              <a:t> </a:t>
+            </a:r>
+            <a:r>
+              <a:rPr lang="en-GB" dirty="0" smtClean="0"/>
+              <a:t>views</a:t>
+            </a:r>
+          </a:p>
+          <a:p>
+            <a:pPr marL="0" indent="0">
+              <a:buNone/>
+            </a:pPr>
+            <a:r>
+              <a:rPr lang="en-GB" dirty="0">
+                <a:hlinkClick r:id="rId4"/>
+              </a:rPr>
+              <a:t>https://www.nationalgeographic.com/travel/top-10/climbs</a:t>
+            </a:r>
+            <a:r>
+              <a:rPr lang="en-GB" dirty="0" smtClean="0">
+                <a:hlinkClick r:id="rId4"/>
+              </a:rPr>
+              <a:t>/</a:t>
+            </a:r>
+            <a:r>
+              <a:rPr lang="en-GB" dirty="0" smtClean="0"/>
+              <a:t> </a:t>
+            </a:r>
+            <a:endParaRPr lang="en-GB" dirty="0"/>
           </a:p>
           <a:p>
             <a:pPr marL="514350" indent="-514350">
@@ -4714,8 +4788,34 @@
             </a:r>
             <a:r>
               <a:rPr lang="en-GB" dirty="0"/>
-              <a:t> will be waiting</a:t>
-            </a:r>
+              <a:t> will be </a:t>
+            </a:r>
+            <a:r>
+              <a:rPr lang="en-GB" dirty="0" smtClean="0"/>
+              <a:t>waiting</a:t>
+            </a:r>
+          </a:p>
+          <a:p>
+            <a:pPr marL="0" indent="0">
+              <a:buNone/>
+            </a:pPr>
+            <a:r>
+              <a:rPr lang="en-GB" dirty="0">
+                <a:hlinkClick r:id="rId5"/>
+              </a:rPr>
+              <a:t>https://www.icehotel.com/prices-booking</a:t>
+            </a:r>
+            <a:r>
+              <a:rPr lang="en-GB" dirty="0" smtClean="0">
+                <a:hlinkClick r:id="rId5"/>
+              </a:rPr>
+              <a:t>/</a:t>
+            </a:r>
+            <a:r>
+              <a:rPr lang="en-GB" dirty="0" smtClean="0"/>
+              <a:t> </a:t>
+            </a:r>
+            <a:endParaRPr lang="en-GB" dirty="0"/>
           </a:p>
           <a:p>
             <a:pPr marL="514350" indent="-514350">
@@ -4724,8 +4824,34 @@
             </a:pPr>
             <a:r>
               <a:rPr lang="en-GB" dirty="0"/>
-              <a:t>Go to a festival- we recommend Coachella but there are so many fab ones</a:t>
-            </a:r>
+              <a:t>Go to a festival- we recommend Coachella but there are so many fab </a:t>
+            </a:r>
+            <a:r>
+              <a:rPr lang="en-GB" dirty="0" smtClean="0"/>
+              <a:t>ones</a:t>
+            </a:r>
+          </a:p>
+          <a:p>
+            <a:pPr marL="0" indent="0">
+              <a:buNone/>
+            </a:pPr>
+            <a:r>
+              <a:rPr lang="en-GB" dirty="0">
+                <a:hlinkClick r:id="rId6"/>
+              </a:rPr>
+              <a:t>https://www.coachella.com/guidebook/passes</a:t>
+            </a:r>
+            <a:r>
+              <a:rPr lang="en-GB" dirty="0" smtClean="0">
+                <a:hlinkClick r:id="rId6"/>
+              </a:rPr>
+              <a:t>/</a:t>
+            </a:r>
+            <a:r>
+              <a:rPr lang="en-GB" dirty="0" smtClean="0"/>
+              <a:t> </a:t>
+            </a:r>
+            <a:endParaRPr lang="en-GB" dirty="0"/>
           </a:p>
           <a:p>
             <a:pPr marL="514350" indent="-514350">
@@ -4761,8 +4887,30 @@
               <a:t> </a:t>
             </a:r>
             <a:r>
-              <a:rPr lang="en-GB" dirty="0" err="1"/>
+              <a:rPr lang="en-GB" dirty="0" err="1" smtClean="0"/>
               <a:t>neeson</a:t>
+            </a:r>
+            <a:endParaRPr lang="en-GB" dirty="0" smtClean="0"/>
+          </a:p>
+          <a:p>
+            <a:pPr marL="0" indent="0">
+              <a:buNone/>
+            </a:pPr>
+            <a:r>
+              <a:rPr lang="en-GB" dirty="0">
+                <a:hlinkClick r:id="rId7"/>
+              </a:rPr>
+              <a:t>https://</a:t>
+            </a:r>
+            <a:r>
+              <a:rPr lang="en-GB" dirty="0" smtClean="0">
+                <a:hlinkClick r:id="rId7"/>
+              </a:rPr>
+              <a:t>www.youtube.com/watch?v=Tk4i5zu15vA</a:t>
+            </a:r>
+            <a:r>
+              <a:rPr lang="en-GB" dirty="0" smtClean="0"/>
+              <a:t> </a:t>
             </a:r>
             <a:endParaRPr lang="en-GB" dirty="0"/>
           </a:p>
@@ -4773,8 +4921,34 @@
             </a:pPr>
             <a:r>
               <a:rPr lang="en-GB" dirty="0"/>
-              <a:t>Go water skiing – rush of adrenaline and excuse for a beach vacation</a:t>
-            </a:r>
+              <a:t>Go water skiing – rush of adrenaline and excuse for a beach </a:t>
+            </a:r>
+            <a:r>
+              <a:rPr lang="en-GB" dirty="0" smtClean="0"/>
+              <a:t>vacation</a:t>
+            </a:r>
+          </a:p>
+          <a:p>
+            <a:pPr marL="0" indent="0">
+              <a:buNone/>
+            </a:pPr>
+            <a:r>
+              <a:rPr lang="en-GB" dirty="0">
+                <a:hlinkClick r:id="rId8"/>
+              </a:rPr>
+              <a:t>https://</a:t>
+            </a:r>
+            <a:r>
+              <a:rPr lang="en-GB" dirty="0" smtClean="0">
+                <a:hlinkClick r:id="rId8"/>
+              </a:rPr>
+              <a:t>www.neilson.co.uk/beach/activities/water-ski-and-wakeboard-holidays</a:t>
+            </a:r>
+            <a:r>
+              <a:rPr lang="en-GB" dirty="0" smtClean="0"/>
+              <a:t> </a:t>
+            </a:r>
+            <a:endParaRPr lang="en-GB" dirty="0"/>
           </a:p>
           <a:p>
             <a:pPr marL="514350" indent="-514350">
@@ -4794,8 +4968,30 @@
               <a:t> and </a:t>
             </a:r>
             <a:r>
-              <a:rPr lang="en-GB" dirty="0" err="1"/>
+              <a:rPr lang="en-GB" dirty="0" err="1" smtClean="0"/>
               <a:t>awayyyy</a:t>
+            </a:r>
+            <a:endParaRPr lang="en-GB" dirty="0" smtClean="0"/>
+          </a:p>
+          <a:p>
+            <a:pPr marL="0" indent="0">
+              <a:buNone/>
+            </a:pPr>
+            <a:r>
+              <a:rPr lang="en-GB" dirty="0">
+                <a:hlinkClick r:id="rId9"/>
+              </a:rPr>
+              <a:t>https://www.virginballoonflights.co.uk/book</a:t>
+            </a:r>
+            <a:r>
+              <a:rPr lang="en-GB" dirty="0" smtClean="0">
+                <a:hlinkClick r:id="rId9"/>
+              </a:rPr>
+              <a:t>/</a:t>
+            </a:r>
+            <a:r>
+              <a:rPr lang="en-GB" dirty="0" smtClean="0"/>
+              <a:t> </a:t>
             </a:r>
             <a:endParaRPr lang="en-GB" dirty="0"/>
           </a:p>
@@ -4806,8 +5002,40 @@
             </a:pPr>
             <a:r>
               <a:rPr lang="en-GB" dirty="0"/>
-              <a:t>Stand under a waterfall-its freezing but worth it to see peoples faces</a:t>
-            </a:r>
+              <a:t>Stand under a waterfall-its freezing but worth it to see peoples </a:t>
+            </a:r>
+            <a:r>
+              <a:rPr lang="en-GB" dirty="0" smtClean="0"/>
+              <a:t>faces</a:t>
+            </a:r>
+          </a:p>
+          <a:p>
+            <a:pPr marL="0" indent="0">
+              <a:buNone/>
+            </a:pPr>
+            <a:r>
+              <a:rPr lang="en-GB" dirty="0">
+                <a:hlinkClick r:id="rId10"/>
+              </a:rPr>
+              <a:t>http://krkatour.com</a:t>
+            </a:r>
+            <a:r>
+              <a:rPr lang="en-GB" dirty="0" smtClean="0">
+                <a:hlinkClick r:id="rId10"/>
+              </a:rPr>
+              <a:t>/</a:t>
+            </a:r>
+            <a:r>
+              <a:rPr lang="en-GB" dirty="0" smtClean="0"/>
+              <a:t> </a:t>
+            </a:r>
+            <a:endParaRPr lang="en-GB" dirty="0"/>
+          </a:p>
+          <a:p>
+            <a:pPr marL="0" indent="0">
+              <a:buNone/>
+            </a:pPr>
+            <a:endParaRPr lang="en-GB" dirty="0"/>
           </a:p>
           <a:p>
             <a:endParaRPr lang="en-GB" dirty="0"/>
